--- a/ex_15/Element binding.pptx
+++ b/ex_15/Element binding.pptx
@@ -6,6 +6,7 @@
   </p:sldMasterIdLst>
   <p:sldIdLst>
     <p:sldId id="256" r:id="rId2"/>
+    <p:sldId id="258" r:id="rId3"/>
   </p:sldIdLst>
   <p:sldSz cx="12192000" cy="6858000"/>
   <p:notesSz cx="6858000" cy="9144000"/>
@@ -104,6 +105,11 @@
       </a:defRPr>
     </a:lvl9pPr>
   </p:defaultTextStyle>
+  <p:extLst>
+    <p:ext uri="{EFAFB233-063F-42B5-8137-9DF3F51BA10A}">
+      <p15:sldGuideLst xmlns:p15="http://schemas.microsoft.com/office/powerpoint/2012/main"/>
+    </p:ext>
+  </p:extLst>
 </p:presentation>
 </file>
 
@@ -5973,6 +5979,2231 @@
 </p:sld>
 </file>
 
+<file path=ppt/slides/slide2.xml><?xml version="1.0" encoding="utf-8"?>
+<p:sld xmlns:a="http://schemas.openxmlformats.org/drawingml/2006/main" xmlns:r="http://schemas.openxmlformats.org/officeDocument/2006/relationships" xmlns:p="http://schemas.openxmlformats.org/presentationml/2006/main">
+  <p:cSld>
+    <p:bg>
+      <p:bgPr>
+        <a:solidFill>
+          <a:schemeClr val="tx1"/>
+        </a:solidFill>
+        <a:effectLst/>
+      </p:bgPr>
+    </p:bg>
+    <p:spTree>
+      <p:nvGrpSpPr>
+        <p:cNvPr id="1" name=""/>
+        <p:cNvGrpSpPr/>
+        <p:nvPr/>
+      </p:nvGrpSpPr>
+      <p:grpSpPr>
+        <a:xfrm>
+          <a:off x="0" y="0"/>
+          <a:ext cx="0" cy="0"/>
+          <a:chOff x="0" y="0"/>
+          <a:chExt cx="0" cy="0"/>
+        </a:xfrm>
+      </p:grpSpPr>
+      <p:sp>
+        <p:nvSpPr>
+          <p:cNvPr id="42" name="TextBox 41">
+            <a:extLst>
+              <a:ext uri="{FF2B5EF4-FFF2-40B4-BE49-F238E27FC236}">
+                <a16:creationId xmlns:a16="http://schemas.microsoft.com/office/drawing/2014/main" id="{9A8D9562-0821-131E-59E5-93A78FF78016}"/>
+              </a:ext>
+            </a:extLst>
+          </p:cNvPr>
+          <p:cNvSpPr txBox="1"/>
+          <p:nvPr/>
+        </p:nvSpPr>
+        <p:spPr>
+          <a:xfrm>
+            <a:off x="405384" y="199156"/>
+            <a:ext cx="4358640" cy="584775"/>
+          </a:xfrm>
+          <a:prstGeom prst="rect">
+            <a:avLst/>
+          </a:prstGeom>
+          <a:noFill/>
+        </p:spPr>
+        <p:txBody>
+          <a:bodyPr wrap="square" rtlCol="0">
+            <a:spAutoFit/>
+          </a:bodyPr>
+          <a:lstStyle/>
+          <a:p>
+            <a:r>
+              <a:rPr lang="en-GB" sz="3200" b="1" dirty="0">
+                <a:solidFill>
+                  <a:srgbClr val="FFFF00"/>
+                </a:solidFill>
+              </a:rPr>
+              <a:t>Element Binding</a:t>
+            </a:r>
+            <a:endParaRPr lang="en-US" sz="3200" b="1" dirty="0">
+              <a:solidFill>
+                <a:srgbClr val="FFFF00"/>
+              </a:solidFill>
+            </a:endParaRPr>
+          </a:p>
+        </p:txBody>
+      </p:sp>
+      <p:grpSp>
+        <p:nvGrpSpPr>
+          <p:cNvPr id="61" name="Group 60">
+            <a:extLst>
+              <a:ext uri="{FF2B5EF4-FFF2-40B4-BE49-F238E27FC236}">
+                <a16:creationId xmlns:a16="http://schemas.microsoft.com/office/drawing/2014/main" id="{0441A90D-C3F4-48E0-AF5D-315130F57A94}"/>
+              </a:ext>
+            </a:extLst>
+          </p:cNvPr>
+          <p:cNvGrpSpPr/>
+          <p:nvPr/>
+        </p:nvGrpSpPr>
+        <p:grpSpPr>
+          <a:xfrm>
+            <a:off x="1961388" y="4083458"/>
+            <a:ext cx="3614928" cy="2359774"/>
+            <a:chOff x="1581912" y="3901235"/>
+            <a:chExt cx="3614928" cy="2359774"/>
+          </a:xfrm>
+        </p:grpSpPr>
+        <p:sp>
+          <p:nvSpPr>
+            <p:cNvPr id="55" name="TextBox 54">
+              <a:extLst>
+                <a:ext uri="{FF2B5EF4-FFF2-40B4-BE49-F238E27FC236}">
+                  <a16:creationId xmlns:a16="http://schemas.microsoft.com/office/drawing/2014/main" id="{1E9BE8D6-B5A0-A5E8-88B1-056AD9C2B764}"/>
+                </a:ext>
+              </a:extLst>
+            </p:cNvPr>
+            <p:cNvSpPr txBox="1"/>
+            <p:nvPr/>
+          </p:nvSpPr>
+          <p:spPr>
+            <a:xfrm>
+              <a:off x="1581912" y="3901235"/>
+              <a:ext cx="3614928" cy="307777"/>
+            </a:xfrm>
+            <a:prstGeom prst="rect">
+              <a:avLst/>
+            </a:prstGeom>
+            <a:noFill/>
+          </p:spPr>
+          <p:txBody>
+            <a:bodyPr wrap="square" rtlCol="0">
+              <a:spAutoFit/>
+            </a:bodyPr>
+            <a:lstStyle/>
+            <a:p>
+              <a:r>
+                <a:rPr lang="en-GB" sz="1400" b="1" dirty="0" err="1">
+                  <a:solidFill>
+                    <a:srgbClr val="FFFF00"/>
+                  </a:solidFill>
+                </a:rPr>
+                <a:t>empTab</a:t>
+              </a:r>
+              <a:r>
+                <a:rPr lang="en-GB" sz="1400" b="1" dirty="0">
+                  <a:solidFill>
+                    <a:srgbClr val="FFFF00"/>
+                  </a:solidFill>
+                </a:rPr>
+                <a:t>/2  - </a:t>
+              </a:r>
+              <a:r>
+                <a:rPr lang="en-GB" sz="1400" b="1" i="1" dirty="0">
+                  <a:solidFill>
+                    <a:srgbClr val="FFFF00"/>
+                  </a:solidFill>
+                </a:rPr>
+                <a:t>Absolute path for simple form </a:t>
+              </a:r>
+              <a:endParaRPr lang="en-US" sz="1400" b="1" i="1" dirty="0">
+                <a:solidFill>
+                  <a:srgbClr val="FFFF00"/>
+                </a:solidFill>
+              </a:endParaRPr>
+            </a:p>
+          </p:txBody>
+        </p:sp>
+        <p:grpSp>
+          <p:nvGrpSpPr>
+            <p:cNvPr id="60" name="Group 59">
+              <a:extLst>
+                <a:ext uri="{FF2B5EF4-FFF2-40B4-BE49-F238E27FC236}">
+                  <a16:creationId xmlns:a16="http://schemas.microsoft.com/office/drawing/2014/main" id="{85344D45-151A-1E67-DC28-AF6878625A23}"/>
+                </a:ext>
+              </a:extLst>
+            </p:cNvPr>
+            <p:cNvGrpSpPr/>
+            <p:nvPr/>
+          </p:nvGrpSpPr>
+          <p:grpSpPr>
+            <a:xfrm>
+              <a:off x="2075688" y="4240186"/>
+              <a:ext cx="2634996" cy="2020823"/>
+              <a:chOff x="2075688" y="4240186"/>
+              <a:chExt cx="2634996" cy="2020823"/>
+            </a:xfrm>
+          </p:grpSpPr>
+          <p:sp>
+            <p:nvSpPr>
+              <p:cNvPr id="50" name="Rectangle 49">
+                <a:extLst>
+                  <a:ext uri="{FF2B5EF4-FFF2-40B4-BE49-F238E27FC236}">
+                    <a16:creationId xmlns:a16="http://schemas.microsoft.com/office/drawing/2014/main" id="{EF449E92-08BC-741F-5F9E-EE136023A9B7}"/>
+                  </a:ext>
+                </a:extLst>
+              </p:cNvPr>
+              <p:cNvSpPr/>
+              <p:nvPr/>
+            </p:nvSpPr>
+            <p:spPr>
+              <a:xfrm>
+                <a:off x="2075688" y="4240186"/>
+                <a:ext cx="2634996" cy="2020823"/>
+              </a:xfrm>
+              <a:prstGeom prst="rect">
+                <a:avLst/>
+              </a:prstGeom>
+              <a:solidFill>
+                <a:schemeClr val="tx2">
+                  <a:lumMod val="10000"/>
+                  <a:lumOff val="90000"/>
+                </a:schemeClr>
+              </a:solidFill>
+              <a:ln>
+                <a:noFill/>
+              </a:ln>
+            </p:spPr>
+            <p:style>
+              <a:lnRef idx="2">
+                <a:schemeClr val="accent1">
+                  <a:shade val="15000"/>
+                </a:schemeClr>
+              </a:lnRef>
+              <a:fillRef idx="1">
+                <a:schemeClr val="accent1"/>
+              </a:fillRef>
+              <a:effectRef idx="0">
+                <a:schemeClr val="accent1"/>
+              </a:effectRef>
+              <a:fontRef idx="minor">
+                <a:schemeClr val="lt1"/>
+              </a:fontRef>
+            </p:style>
+            <p:txBody>
+              <a:bodyPr rtlCol="0" anchor="ctr"/>
+              <a:lstStyle/>
+              <a:p>
+                <a:pPr algn="ctr"/>
+                <a:r>
+                  <a:rPr lang="en-GB" sz="1400" b="1" dirty="0">
+                    <a:solidFill>
+                      <a:schemeClr val="tx1"/>
+                    </a:solidFill>
+                  </a:rPr>
+                  <a:t>Simple Form</a:t>
+                </a:r>
+              </a:p>
+              <a:p>
+                <a:pPr algn="ctr"/>
+                <a:endParaRPr lang="en-GB" sz="1400" b="1" dirty="0">
+                  <a:solidFill>
+                    <a:schemeClr val="tx1"/>
+                  </a:solidFill>
+                </a:endParaRPr>
+              </a:p>
+              <a:p>
+                <a:pPr algn="ctr"/>
+                <a:endParaRPr lang="en-GB" sz="1400" b="1" dirty="0">
+                  <a:solidFill>
+                    <a:schemeClr val="tx1"/>
+                  </a:solidFill>
+                </a:endParaRPr>
+              </a:p>
+              <a:p>
+                <a:pPr algn="ctr"/>
+                <a:endParaRPr lang="en-GB" sz="1400" b="1" dirty="0">
+                  <a:solidFill>
+                    <a:schemeClr val="tx1"/>
+                  </a:solidFill>
+                </a:endParaRPr>
+              </a:p>
+              <a:p>
+                <a:pPr algn="ctr"/>
+                <a:endParaRPr lang="en-GB" sz="1400" b="1" dirty="0">
+                  <a:solidFill>
+                    <a:schemeClr val="tx1"/>
+                  </a:solidFill>
+                </a:endParaRPr>
+              </a:p>
+              <a:p>
+                <a:pPr algn="ctr"/>
+                <a:endParaRPr lang="en-GB" sz="1400" b="1" dirty="0">
+                  <a:solidFill>
+                    <a:schemeClr val="tx1"/>
+                  </a:solidFill>
+                </a:endParaRPr>
+              </a:p>
+              <a:p>
+                <a:pPr algn="ctr"/>
+                <a:endParaRPr lang="en-GB" sz="1400" b="1" dirty="0">
+                  <a:solidFill>
+                    <a:schemeClr val="tx1"/>
+                  </a:solidFill>
+                </a:endParaRPr>
+              </a:p>
+              <a:p>
+                <a:pPr algn="ctr"/>
+                <a:endParaRPr lang="en-US" sz="1400" b="1" dirty="0">
+                  <a:solidFill>
+                    <a:schemeClr val="tx1"/>
+                  </a:solidFill>
+                </a:endParaRPr>
+              </a:p>
+            </p:txBody>
+          </p:sp>
+          <p:sp>
+            <p:nvSpPr>
+              <p:cNvPr id="51" name="Rectangle: Rounded Corners 50">
+                <a:extLst>
+                  <a:ext uri="{FF2B5EF4-FFF2-40B4-BE49-F238E27FC236}">
+                    <a16:creationId xmlns:a16="http://schemas.microsoft.com/office/drawing/2014/main" id="{BF3AEDDF-A5F8-7F95-32C2-97940DE0A7BF}"/>
+                  </a:ext>
+                </a:extLst>
+              </p:cNvPr>
+              <p:cNvSpPr/>
+              <p:nvPr/>
+            </p:nvSpPr>
+            <p:spPr>
+              <a:xfrm>
+                <a:off x="2609850" y="4756373"/>
+                <a:ext cx="1566672" cy="268285"/>
+              </a:xfrm>
+              <a:prstGeom prst="roundRect">
+                <a:avLst/>
+              </a:prstGeom>
+              <a:solidFill>
+                <a:schemeClr val="accent4">
+                  <a:lumMod val="40000"/>
+                  <a:lumOff val="60000"/>
+                </a:schemeClr>
+              </a:solidFill>
+              <a:ln>
+                <a:noFill/>
+              </a:ln>
+            </p:spPr>
+            <p:style>
+              <a:lnRef idx="2">
+                <a:schemeClr val="accent1">
+                  <a:shade val="15000"/>
+                </a:schemeClr>
+              </a:lnRef>
+              <a:fillRef idx="1">
+                <a:schemeClr val="accent1"/>
+              </a:fillRef>
+              <a:effectRef idx="0">
+                <a:schemeClr val="accent1"/>
+              </a:effectRef>
+              <a:fontRef idx="minor">
+                <a:schemeClr val="lt1"/>
+              </a:fontRef>
+            </p:style>
+            <p:txBody>
+              <a:bodyPr rtlCol="0" anchor="ctr"/>
+              <a:lstStyle/>
+              <a:p>
+                <a:pPr algn="ctr"/>
+                <a:r>
+                  <a:rPr lang="en-GB" sz="1200" b="1" dirty="0">
+                    <a:solidFill>
+                      <a:schemeClr val="tx1"/>
+                    </a:solidFill>
+                  </a:rPr>
+                  <a:t>9003 – {</a:t>
+                </a:r>
+                <a:r>
+                  <a:rPr lang="en-GB" sz="1200" b="1" dirty="0" err="1">
+                    <a:solidFill>
+                      <a:schemeClr val="tx1"/>
+                    </a:solidFill>
+                  </a:rPr>
+                  <a:t>empId</a:t>
+                </a:r>
+                <a:r>
+                  <a:rPr lang="en-GB" sz="1200" b="1" dirty="0">
+                    <a:solidFill>
+                      <a:schemeClr val="tx1"/>
+                    </a:solidFill>
+                  </a:rPr>
+                  <a:t>}</a:t>
+                </a:r>
+                <a:endParaRPr lang="en-US" sz="1200" b="1" dirty="0">
+                  <a:solidFill>
+                    <a:schemeClr val="tx1"/>
+                  </a:solidFill>
+                </a:endParaRPr>
+              </a:p>
+            </p:txBody>
+          </p:sp>
+          <p:sp>
+            <p:nvSpPr>
+              <p:cNvPr id="56" name="Rectangle: Rounded Corners 55">
+                <a:extLst>
+                  <a:ext uri="{FF2B5EF4-FFF2-40B4-BE49-F238E27FC236}">
+                    <a16:creationId xmlns:a16="http://schemas.microsoft.com/office/drawing/2014/main" id="{15680D07-7438-0CB3-F04F-637214B6744E}"/>
+                  </a:ext>
+                </a:extLst>
+              </p:cNvPr>
+              <p:cNvSpPr/>
+              <p:nvPr/>
+            </p:nvSpPr>
+            <p:spPr>
+              <a:xfrm>
+                <a:off x="2272284" y="5095179"/>
+                <a:ext cx="2322576" cy="268285"/>
+              </a:xfrm>
+              <a:prstGeom prst="roundRect">
+                <a:avLst/>
+              </a:prstGeom>
+              <a:solidFill>
+                <a:schemeClr val="accent4">
+                  <a:lumMod val="40000"/>
+                  <a:lumOff val="60000"/>
+                </a:schemeClr>
+              </a:solidFill>
+              <a:ln>
+                <a:noFill/>
+              </a:ln>
+            </p:spPr>
+            <p:style>
+              <a:lnRef idx="2">
+                <a:schemeClr val="accent1">
+                  <a:shade val="15000"/>
+                </a:schemeClr>
+              </a:lnRef>
+              <a:fillRef idx="1">
+                <a:schemeClr val="accent1"/>
+              </a:fillRef>
+              <a:effectRef idx="0">
+                <a:schemeClr val="accent1"/>
+              </a:effectRef>
+              <a:fontRef idx="minor">
+                <a:schemeClr val="lt1"/>
+              </a:fontRef>
+            </p:style>
+            <p:txBody>
+              <a:bodyPr rtlCol="0" anchor="ctr"/>
+              <a:lstStyle/>
+              <a:p>
+                <a:pPr algn="ctr"/>
+                <a:r>
+                  <a:rPr lang="en-GB" sz="1200" b="1" dirty="0">
+                    <a:solidFill>
+                      <a:schemeClr val="tx1"/>
+                    </a:solidFill>
+                  </a:rPr>
+                  <a:t>Archangel – {</a:t>
+                </a:r>
+                <a:r>
+                  <a:rPr lang="en-GB" sz="1200" b="1" dirty="0" err="1">
+                    <a:solidFill>
+                      <a:schemeClr val="tx1"/>
+                    </a:solidFill>
+                  </a:rPr>
+                  <a:t>empname</a:t>
+                </a:r>
+                <a:r>
+                  <a:rPr lang="en-GB" sz="1200" b="1" dirty="0">
+                    <a:solidFill>
+                      <a:schemeClr val="tx1"/>
+                    </a:solidFill>
+                  </a:rPr>
+                  <a:t>}</a:t>
+                </a:r>
+                <a:endParaRPr lang="en-US" sz="1200" b="1" dirty="0">
+                  <a:solidFill>
+                    <a:schemeClr val="tx1"/>
+                  </a:solidFill>
+                </a:endParaRPr>
+              </a:p>
+            </p:txBody>
+          </p:sp>
+          <p:sp>
+            <p:nvSpPr>
+              <p:cNvPr id="57" name="Rectangle: Rounded Corners 56">
+                <a:extLst>
+                  <a:ext uri="{FF2B5EF4-FFF2-40B4-BE49-F238E27FC236}">
+                    <a16:creationId xmlns:a16="http://schemas.microsoft.com/office/drawing/2014/main" id="{C74F3C80-DB5A-5EE9-F58A-9CE757316E59}"/>
+                  </a:ext>
+                </a:extLst>
+              </p:cNvPr>
+              <p:cNvSpPr/>
+              <p:nvPr/>
+            </p:nvSpPr>
+            <p:spPr>
+              <a:xfrm>
+                <a:off x="2606040" y="5423056"/>
+                <a:ext cx="1566672" cy="268285"/>
+              </a:xfrm>
+              <a:prstGeom prst="roundRect">
+                <a:avLst/>
+              </a:prstGeom>
+              <a:solidFill>
+                <a:schemeClr val="accent4">
+                  <a:lumMod val="40000"/>
+                  <a:lumOff val="60000"/>
+                </a:schemeClr>
+              </a:solidFill>
+              <a:ln>
+                <a:noFill/>
+              </a:ln>
+            </p:spPr>
+            <p:style>
+              <a:lnRef idx="2">
+                <a:schemeClr val="accent1">
+                  <a:shade val="15000"/>
+                </a:schemeClr>
+              </a:lnRef>
+              <a:fillRef idx="1">
+                <a:schemeClr val="accent1"/>
+              </a:fillRef>
+              <a:effectRef idx="0">
+                <a:schemeClr val="accent1"/>
+              </a:effectRef>
+              <a:fontRef idx="minor">
+                <a:schemeClr val="lt1"/>
+              </a:fontRef>
+            </p:style>
+            <p:txBody>
+              <a:bodyPr rtlCol="0" anchor="ctr"/>
+              <a:lstStyle/>
+              <a:p>
+                <a:pPr algn="ctr"/>
+                <a:r>
+                  <a:rPr lang="en-GB" sz="1200" b="1" dirty="0">
+                    <a:solidFill>
+                      <a:schemeClr val="tx1"/>
+                    </a:solidFill>
+                  </a:rPr>
+                  <a:t>250000 – {Salary}</a:t>
+                </a:r>
+                <a:endParaRPr lang="en-US" sz="1200" b="1" dirty="0">
+                  <a:solidFill>
+                    <a:schemeClr val="tx1"/>
+                  </a:solidFill>
+                </a:endParaRPr>
+              </a:p>
+            </p:txBody>
+          </p:sp>
+          <p:sp>
+            <p:nvSpPr>
+              <p:cNvPr id="58" name="Rectangle: Rounded Corners 57">
+                <a:extLst>
+                  <a:ext uri="{FF2B5EF4-FFF2-40B4-BE49-F238E27FC236}">
+                    <a16:creationId xmlns:a16="http://schemas.microsoft.com/office/drawing/2014/main" id="{FC2165AB-A0E5-CA71-3C0B-0DDCBE0D0A6E}"/>
+                  </a:ext>
+                </a:extLst>
+              </p:cNvPr>
+              <p:cNvSpPr/>
+              <p:nvPr/>
+            </p:nvSpPr>
+            <p:spPr>
+              <a:xfrm>
+                <a:off x="2606040" y="5755415"/>
+                <a:ext cx="1566672" cy="268285"/>
+              </a:xfrm>
+              <a:prstGeom prst="roundRect">
+                <a:avLst/>
+              </a:prstGeom>
+              <a:solidFill>
+                <a:schemeClr val="accent4">
+                  <a:lumMod val="40000"/>
+                  <a:lumOff val="60000"/>
+                </a:schemeClr>
+              </a:solidFill>
+              <a:ln>
+                <a:noFill/>
+              </a:ln>
+            </p:spPr>
+            <p:style>
+              <a:lnRef idx="2">
+                <a:schemeClr val="accent1">
+                  <a:shade val="15000"/>
+                </a:schemeClr>
+              </a:lnRef>
+              <a:fillRef idx="1">
+                <a:schemeClr val="accent1"/>
+              </a:fillRef>
+              <a:effectRef idx="0">
+                <a:schemeClr val="accent1"/>
+              </a:effectRef>
+              <a:fontRef idx="minor">
+                <a:schemeClr val="lt1"/>
+              </a:fontRef>
+            </p:style>
+            <p:txBody>
+              <a:bodyPr rtlCol="0" anchor="ctr"/>
+              <a:lstStyle/>
+              <a:p>
+                <a:pPr algn="ctr"/>
+                <a:r>
+                  <a:rPr lang="en-GB" sz="1200" b="1" dirty="0">
+                    <a:solidFill>
+                      <a:schemeClr val="tx1"/>
+                    </a:solidFill>
+                  </a:rPr>
+                  <a:t>EUR – {currency}</a:t>
+                </a:r>
+                <a:endParaRPr lang="en-US" sz="1200" b="1" dirty="0">
+                  <a:solidFill>
+                    <a:schemeClr val="tx1"/>
+                  </a:solidFill>
+                </a:endParaRPr>
+              </a:p>
+            </p:txBody>
+          </p:sp>
+        </p:grpSp>
+      </p:grpSp>
+      <p:grpSp>
+        <p:nvGrpSpPr>
+          <p:cNvPr id="66" name="Group 65">
+            <a:extLst>
+              <a:ext uri="{FF2B5EF4-FFF2-40B4-BE49-F238E27FC236}">
+                <a16:creationId xmlns:a16="http://schemas.microsoft.com/office/drawing/2014/main" id="{75DD8D1E-CA41-31E3-FD46-0B951B7D3CBF}"/>
+              </a:ext>
+            </a:extLst>
+          </p:cNvPr>
+          <p:cNvGrpSpPr/>
+          <p:nvPr/>
+        </p:nvGrpSpPr>
+        <p:grpSpPr>
+          <a:xfrm>
+            <a:off x="618744" y="634239"/>
+            <a:ext cx="10354056" cy="3736206"/>
+            <a:chOff x="124968" y="655164"/>
+            <a:chExt cx="10354056" cy="3736206"/>
+          </a:xfrm>
+        </p:grpSpPr>
+        <p:grpSp>
+          <p:nvGrpSpPr>
+            <p:cNvPr id="63" name="Group 62">
+              <a:extLst>
+                <a:ext uri="{FF2B5EF4-FFF2-40B4-BE49-F238E27FC236}">
+                  <a16:creationId xmlns:a16="http://schemas.microsoft.com/office/drawing/2014/main" id="{433BF04F-78B7-EC83-BB22-0DCC1268AC2B}"/>
+                </a:ext>
+              </a:extLst>
+            </p:cNvPr>
+            <p:cNvGrpSpPr/>
+            <p:nvPr/>
+          </p:nvGrpSpPr>
+          <p:grpSpPr>
+            <a:xfrm>
+              <a:off x="124968" y="655164"/>
+              <a:ext cx="9473188" cy="3340609"/>
+              <a:chOff x="124968" y="655164"/>
+              <a:chExt cx="9473188" cy="3340609"/>
+            </a:xfrm>
+          </p:grpSpPr>
+          <p:grpSp>
+            <p:nvGrpSpPr>
+              <p:cNvPr id="49" name="Group 48">
+                <a:extLst>
+                  <a:ext uri="{FF2B5EF4-FFF2-40B4-BE49-F238E27FC236}">
+                    <a16:creationId xmlns:a16="http://schemas.microsoft.com/office/drawing/2014/main" id="{02E93D97-F389-8165-5CE6-C558E37CA1D7}"/>
+                  </a:ext>
+                </a:extLst>
+              </p:cNvPr>
+              <p:cNvGrpSpPr/>
+              <p:nvPr/>
+            </p:nvGrpSpPr>
+            <p:grpSpPr>
+              <a:xfrm>
+                <a:off x="1097280" y="655164"/>
+                <a:ext cx="8500876" cy="3340609"/>
+                <a:chOff x="2075688" y="583275"/>
+                <a:chExt cx="8500876" cy="3340609"/>
+              </a:xfrm>
+            </p:grpSpPr>
+            <p:grpSp>
+              <p:nvGrpSpPr>
+                <p:cNvPr id="47" name="Group 46">
+                  <a:extLst>
+                    <a:ext uri="{FF2B5EF4-FFF2-40B4-BE49-F238E27FC236}">
+                      <a16:creationId xmlns:a16="http://schemas.microsoft.com/office/drawing/2014/main" id="{62D1C486-F96F-F4D2-C7D7-1145C248E62F}"/>
+                    </a:ext>
+                  </a:extLst>
+                </p:cNvPr>
+                <p:cNvGrpSpPr/>
+                <p:nvPr/>
+              </p:nvGrpSpPr>
+              <p:grpSpPr>
+                <a:xfrm>
+                  <a:off x="2075688" y="583275"/>
+                  <a:ext cx="8500876" cy="3340609"/>
+                  <a:chOff x="1179576" y="614951"/>
+                  <a:chExt cx="8500876" cy="3340609"/>
+                </a:xfrm>
+              </p:grpSpPr>
+              <p:cxnSp>
+                <p:nvCxnSpPr>
+                  <p:cNvPr id="36" name="Straight Arrow Connector 35">
+                    <a:extLst>
+                      <a:ext uri="{FF2B5EF4-FFF2-40B4-BE49-F238E27FC236}">
+                        <a16:creationId xmlns:a16="http://schemas.microsoft.com/office/drawing/2014/main" id="{316A0497-4BB3-66D5-6767-71219FF28AD9}"/>
+                      </a:ext>
+                    </a:extLst>
+                  </p:cNvPr>
+                  <p:cNvCxnSpPr>
+                    <a:cxnSpLocks/>
+                  </p:cNvCxnSpPr>
+                  <p:nvPr/>
+                </p:nvCxnSpPr>
+                <p:spPr>
+                  <a:xfrm flipV="1">
+                    <a:off x="5690617" y="2349899"/>
+                    <a:ext cx="865630" cy="169464"/>
+                  </a:xfrm>
+                  <a:prstGeom prst="straightConnector1">
+                    <a:avLst/>
+                  </a:prstGeom>
+                  <a:ln w="63500">
+                    <a:tailEnd type="triangle"/>
+                  </a:ln>
+                </p:spPr>
+                <p:style>
+                  <a:lnRef idx="2">
+                    <a:schemeClr val="accent6"/>
+                  </a:lnRef>
+                  <a:fillRef idx="0">
+                    <a:schemeClr val="accent6"/>
+                  </a:fillRef>
+                  <a:effectRef idx="1">
+                    <a:schemeClr val="accent6"/>
+                  </a:effectRef>
+                  <a:fontRef idx="minor">
+                    <a:schemeClr val="tx1"/>
+                  </a:fontRef>
+                </p:style>
+              </p:cxnSp>
+              <p:grpSp>
+                <p:nvGrpSpPr>
+                  <p:cNvPr id="46" name="Group 45">
+                    <a:extLst>
+                      <a:ext uri="{FF2B5EF4-FFF2-40B4-BE49-F238E27FC236}">
+                        <a16:creationId xmlns:a16="http://schemas.microsoft.com/office/drawing/2014/main" id="{553159BF-4381-A061-CB3B-F251DBFA36FC}"/>
+                      </a:ext>
+                    </a:extLst>
+                  </p:cNvPr>
+                  <p:cNvGrpSpPr/>
+                  <p:nvPr/>
+                </p:nvGrpSpPr>
+                <p:grpSpPr>
+                  <a:xfrm>
+                    <a:off x="1179576" y="614951"/>
+                    <a:ext cx="8500876" cy="3340609"/>
+                    <a:chOff x="1179576" y="614951"/>
+                    <a:chExt cx="8500876" cy="3340609"/>
+                  </a:xfrm>
+                </p:grpSpPr>
+                <p:grpSp>
+                  <p:nvGrpSpPr>
+                    <p:cNvPr id="43" name="Group 42">
+                      <a:extLst>
+                        <a:ext uri="{FF2B5EF4-FFF2-40B4-BE49-F238E27FC236}">
+                          <a16:creationId xmlns:a16="http://schemas.microsoft.com/office/drawing/2014/main" id="{C6268239-9DF1-D06C-8C94-56917CEC579F}"/>
+                        </a:ext>
+                      </a:extLst>
+                    </p:cNvPr>
+                    <p:cNvGrpSpPr/>
+                    <p:nvPr/>
+                  </p:nvGrpSpPr>
+                  <p:grpSpPr>
+                    <a:xfrm>
+                      <a:off x="1179576" y="614951"/>
+                      <a:ext cx="8500876" cy="3340609"/>
+                      <a:chOff x="1179576" y="614951"/>
+                      <a:chExt cx="8500876" cy="3340609"/>
+                    </a:xfrm>
+                  </p:grpSpPr>
+                  <p:sp>
+                    <p:nvSpPr>
+                      <p:cNvPr id="4" name="Rectangle: Rounded Corners 3">
+                        <a:extLst>
+                          <a:ext uri="{FF2B5EF4-FFF2-40B4-BE49-F238E27FC236}">
+                            <a16:creationId xmlns:a16="http://schemas.microsoft.com/office/drawing/2014/main" id="{F3F2060D-EA81-64F8-BD6C-A34D08FF5093}"/>
+                          </a:ext>
+                        </a:extLst>
+                      </p:cNvPr>
+                      <p:cNvSpPr/>
+                      <p:nvPr/>
+                    </p:nvSpPr>
+                    <p:spPr>
+                      <a:xfrm>
+                        <a:off x="1179576" y="1207008"/>
+                        <a:ext cx="1060704" cy="621792"/>
+                      </a:xfrm>
+                      <a:prstGeom prst="roundRect">
+                        <a:avLst/>
+                      </a:prstGeom>
+                      <a:solidFill>
+                        <a:schemeClr val="accent1">
+                          <a:lumMod val="40000"/>
+                          <a:lumOff val="60000"/>
+                        </a:schemeClr>
+                      </a:solidFill>
+                      <a:ln>
+                        <a:noFill/>
+                      </a:ln>
+                    </p:spPr>
+                    <p:style>
+                      <a:lnRef idx="1">
+                        <a:schemeClr val="accent4"/>
+                      </a:lnRef>
+                      <a:fillRef idx="3">
+                        <a:schemeClr val="accent4"/>
+                      </a:fillRef>
+                      <a:effectRef idx="2">
+                        <a:schemeClr val="accent4"/>
+                      </a:effectRef>
+                      <a:fontRef idx="minor">
+                        <a:schemeClr val="lt1"/>
+                      </a:fontRef>
+                    </p:style>
+                    <p:txBody>
+                      <a:bodyPr rtlCol="0" anchor="ctr"/>
+                      <a:lstStyle/>
+                      <a:p>
+                        <a:pPr algn="ctr"/>
+                        <a:r>
+                          <a:rPr lang="en-GB" sz="1200" b="1" dirty="0">
+                            <a:solidFill>
+                              <a:schemeClr val="tx1"/>
+                            </a:solidFill>
+                          </a:rPr>
+                          <a:t>Model</a:t>
+                        </a:r>
+                      </a:p>
+                      <a:p>
+                        <a:pPr algn="ctr"/>
+                        <a:r>
+                          <a:rPr lang="en-GB" sz="1200" b="1" dirty="0" err="1">
+                            <a:solidFill>
+                              <a:schemeClr val="tx1"/>
+                            </a:solidFill>
+                          </a:rPr>
+                          <a:t>empTab</a:t>
+                        </a:r>
+                        <a:endParaRPr lang="en-US" sz="1200" b="1" dirty="0">
+                          <a:solidFill>
+                            <a:schemeClr val="tx1"/>
+                          </a:solidFill>
+                        </a:endParaRPr>
+                      </a:p>
+                    </p:txBody>
+                  </p:sp>
+                  <p:grpSp>
+                    <p:nvGrpSpPr>
+                      <p:cNvPr id="12" name="Group 11">
+                        <a:extLst>
+                          <a:ext uri="{FF2B5EF4-FFF2-40B4-BE49-F238E27FC236}">
+                            <a16:creationId xmlns:a16="http://schemas.microsoft.com/office/drawing/2014/main" id="{C16689A1-F748-742E-1423-50BB68037673}"/>
+                          </a:ext>
+                        </a:extLst>
+                      </p:cNvPr>
+                      <p:cNvGrpSpPr/>
+                      <p:nvPr/>
+                    </p:nvGrpSpPr>
+                    <p:grpSpPr>
+                      <a:xfrm>
+                        <a:off x="2953512" y="1207008"/>
+                        <a:ext cx="2642616" cy="2432304"/>
+                        <a:chOff x="1828800" y="713232"/>
+                        <a:chExt cx="2642616" cy="2432304"/>
+                      </a:xfrm>
+                    </p:grpSpPr>
+                    <p:sp>
+                      <p:nvSpPr>
+                        <p:cNvPr id="5" name="Rectangle 4">
+                          <a:extLst>
+                            <a:ext uri="{FF2B5EF4-FFF2-40B4-BE49-F238E27FC236}">
+                              <a16:creationId xmlns:a16="http://schemas.microsoft.com/office/drawing/2014/main" id="{0862F512-D192-4ABC-5860-63FCCCE97BC8}"/>
+                            </a:ext>
+                          </a:extLst>
+                        </p:cNvPr>
+                        <p:cNvSpPr/>
+                        <p:nvPr/>
+                      </p:nvSpPr>
+                      <p:spPr>
+                        <a:xfrm>
+                          <a:off x="1828800" y="713232"/>
+                          <a:ext cx="2404872" cy="2432304"/>
+                        </a:xfrm>
+                        <a:prstGeom prst="rect">
+                          <a:avLst/>
+                        </a:prstGeom>
+                        <a:solidFill>
+                          <a:schemeClr val="accent4">
+                            <a:lumMod val="40000"/>
+                            <a:lumOff val="60000"/>
+                          </a:schemeClr>
+                        </a:solidFill>
+                        <a:ln>
+                          <a:noFill/>
+                        </a:ln>
+                      </p:spPr>
+                      <p:style>
+                        <a:lnRef idx="2">
+                          <a:schemeClr val="accent1">
+                            <a:shade val="15000"/>
+                          </a:schemeClr>
+                        </a:lnRef>
+                        <a:fillRef idx="1">
+                          <a:schemeClr val="accent1"/>
+                        </a:fillRef>
+                        <a:effectRef idx="0">
+                          <a:schemeClr val="accent1"/>
+                        </a:effectRef>
+                        <a:fontRef idx="minor">
+                          <a:schemeClr val="lt1"/>
+                        </a:fontRef>
+                      </p:style>
+                      <p:txBody>
+                        <a:bodyPr rtlCol="0" anchor="ctr"/>
+                        <a:lstStyle/>
+                        <a:p>
+                          <a:pPr algn="ctr"/>
+                          <a:r>
+                            <a:rPr lang="en-GB" sz="1600" b="1" dirty="0">
+                              <a:solidFill>
+                                <a:schemeClr val="tx1"/>
+                              </a:solidFill>
+                            </a:rPr>
+                            <a:t>Table</a:t>
+                          </a:r>
+                          <a:endParaRPr lang="en-GB" b="1" dirty="0">
+                            <a:solidFill>
+                              <a:schemeClr val="tx1"/>
+                            </a:solidFill>
+                          </a:endParaRPr>
+                        </a:p>
+                        <a:p>
+                          <a:pPr algn="ctr"/>
+                          <a:endParaRPr lang="en-GB" b="1" dirty="0"/>
+                        </a:p>
+                        <a:p>
+                          <a:pPr algn="ctr"/>
+                          <a:endParaRPr lang="en-GB" b="1" dirty="0"/>
+                        </a:p>
+                        <a:p>
+                          <a:pPr algn="ctr"/>
+                          <a:endParaRPr lang="en-GB" b="1" dirty="0"/>
+                        </a:p>
+                        <a:p>
+                          <a:pPr algn="ctr"/>
+                          <a:endParaRPr lang="en-GB" b="1" dirty="0"/>
+                        </a:p>
+                        <a:p>
+                          <a:pPr algn="ctr"/>
+                          <a:endParaRPr lang="en-GB" b="1" dirty="0"/>
+                        </a:p>
+                        <a:p>
+                          <a:pPr algn="ctr"/>
+                          <a:endParaRPr lang="en-GB" b="1" dirty="0"/>
+                        </a:p>
+                        <a:p>
+                          <a:pPr algn="ctr"/>
+                          <a:endParaRPr lang="en-US" b="1" dirty="0"/>
+                        </a:p>
+                      </p:txBody>
+                    </p:sp>
+                    <p:sp>
+                      <p:nvSpPr>
+                        <p:cNvPr id="6" name="Rectangle: Single Corner Snipped 5">
+                          <a:extLst>
+                            <a:ext uri="{FF2B5EF4-FFF2-40B4-BE49-F238E27FC236}">
+                              <a16:creationId xmlns:a16="http://schemas.microsoft.com/office/drawing/2014/main" id="{82CC2EEE-DCD0-FC9E-26D0-8A0DAC02A618}"/>
+                            </a:ext>
+                          </a:extLst>
+                        </p:cNvPr>
+                        <p:cNvSpPr/>
+                        <p:nvPr/>
+                      </p:nvSpPr>
+                      <p:spPr>
+                        <a:xfrm>
+                          <a:off x="1956816" y="1216152"/>
+                          <a:ext cx="2514600" cy="228600"/>
+                        </a:xfrm>
+                        <a:prstGeom prst="snip1Rect">
+                          <a:avLst/>
+                        </a:prstGeom>
+                        <a:solidFill>
+                          <a:schemeClr val="accent3">
+                            <a:lumMod val="60000"/>
+                            <a:lumOff val="40000"/>
+                          </a:schemeClr>
+                        </a:solidFill>
+                      </p:spPr>
+                      <p:style>
+                        <a:lnRef idx="1">
+                          <a:schemeClr val="accent6"/>
+                        </a:lnRef>
+                        <a:fillRef idx="3">
+                          <a:schemeClr val="accent6"/>
+                        </a:fillRef>
+                        <a:effectRef idx="2">
+                          <a:schemeClr val="accent6"/>
+                        </a:effectRef>
+                        <a:fontRef idx="minor">
+                          <a:schemeClr val="lt1"/>
+                        </a:fontRef>
+                      </p:style>
+                      <p:txBody>
+                        <a:bodyPr rtlCol="0" anchor="ctr"/>
+                        <a:lstStyle/>
+                        <a:p>
+                          <a:pPr algn="ctr"/>
+                          <a:r>
+                            <a:rPr lang="en-GB" sz="1200" b="1" dirty="0">
+                              <a:solidFill>
+                                <a:schemeClr val="tx1"/>
+                              </a:solidFill>
+                            </a:rPr>
+                            <a:t>Record 1</a:t>
+                          </a:r>
+                          <a:endParaRPr lang="en-US" sz="1200" b="1" dirty="0">
+                            <a:solidFill>
+                              <a:schemeClr val="tx1"/>
+                            </a:solidFill>
+                          </a:endParaRPr>
+                        </a:p>
+                      </p:txBody>
+                    </p:sp>
+                    <p:sp>
+                      <p:nvSpPr>
+                        <p:cNvPr id="7" name="Rectangle: Single Corner Snipped 6">
+                          <a:extLst>
+                            <a:ext uri="{FF2B5EF4-FFF2-40B4-BE49-F238E27FC236}">
+                              <a16:creationId xmlns:a16="http://schemas.microsoft.com/office/drawing/2014/main" id="{5F445269-B4DC-E1A6-27FC-993EE3D42119}"/>
+                            </a:ext>
+                          </a:extLst>
+                        </p:cNvPr>
+                        <p:cNvSpPr/>
+                        <p:nvPr/>
+                      </p:nvSpPr>
+                      <p:spPr>
+                        <a:xfrm>
+                          <a:off x="1938528" y="1581912"/>
+                          <a:ext cx="2514600" cy="228600"/>
+                        </a:xfrm>
+                        <a:prstGeom prst="snip1Rect">
+                          <a:avLst/>
+                        </a:prstGeom>
+                        <a:solidFill>
+                          <a:schemeClr val="accent3">
+                            <a:lumMod val="60000"/>
+                            <a:lumOff val="40000"/>
+                          </a:schemeClr>
+                        </a:solidFill>
+                      </p:spPr>
+                      <p:style>
+                        <a:lnRef idx="1">
+                          <a:schemeClr val="accent6"/>
+                        </a:lnRef>
+                        <a:fillRef idx="3">
+                          <a:schemeClr val="accent6"/>
+                        </a:fillRef>
+                        <a:effectRef idx="2">
+                          <a:schemeClr val="accent6"/>
+                        </a:effectRef>
+                        <a:fontRef idx="minor">
+                          <a:schemeClr val="lt1"/>
+                        </a:fontRef>
+                      </p:style>
+                      <p:txBody>
+                        <a:bodyPr rtlCol="0" anchor="ctr"/>
+                        <a:lstStyle/>
+                        <a:p>
+                          <a:pPr algn="ctr"/>
+                          <a:endParaRPr lang="en-GB" sz="1100" b="1" dirty="0">
+                            <a:solidFill>
+                              <a:schemeClr val="tx1"/>
+                            </a:solidFill>
+                          </a:endParaRPr>
+                        </a:p>
+                        <a:p>
+                          <a:pPr algn="ctr"/>
+                          <a:r>
+                            <a:rPr lang="en-GB" sz="1200" b="1" dirty="0">
+                              <a:solidFill>
+                                <a:schemeClr val="tx1"/>
+                              </a:solidFill>
+                            </a:rPr>
+                            <a:t>Record 2</a:t>
+                          </a:r>
+                          <a:endParaRPr lang="en-US" sz="1200" b="1" dirty="0">
+                            <a:solidFill>
+                              <a:schemeClr val="tx1"/>
+                            </a:solidFill>
+                          </a:endParaRPr>
+                        </a:p>
+                        <a:p>
+                          <a:pPr algn="ctr"/>
+                          <a:endParaRPr lang="en-US" sz="1100" dirty="0"/>
+                        </a:p>
+                      </p:txBody>
+                    </p:sp>
+                    <p:sp>
+                      <p:nvSpPr>
+                        <p:cNvPr id="8" name="Rectangle: Single Corner Snipped 7">
+                          <a:extLst>
+                            <a:ext uri="{FF2B5EF4-FFF2-40B4-BE49-F238E27FC236}">
+                              <a16:creationId xmlns:a16="http://schemas.microsoft.com/office/drawing/2014/main" id="{B791AD35-BBAB-40FE-8AB1-2CAEA204F23A}"/>
+                            </a:ext>
+                          </a:extLst>
+                        </p:cNvPr>
+                        <p:cNvSpPr/>
+                        <p:nvPr/>
+                      </p:nvSpPr>
+                      <p:spPr>
+                        <a:xfrm>
+                          <a:off x="1956816" y="1929384"/>
+                          <a:ext cx="2514600" cy="228600"/>
+                        </a:xfrm>
+                        <a:prstGeom prst="snip1Rect">
+                          <a:avLst/>
+                        </a:prstGeom>
+                        <a:solidFill>
+                          <a:srgbClr val="FFFF00"/>
+                        </a:solidFill>
+                      </p:spPr>
+                      <p:style>
+                        <a:lnRef idx="1">
+                          <a:schemeClr val="accent6"/>
+                        </a:lnRef>
+                        <a:fillRef idx="3">
+                          <a:schemeClr val="accent6"/>
+                        </a:fillRef>
+                        <a:effectRef idx="2">
+                          <a:schemeClr val="accent6"/>
+                        </a:effectRef>
+                        <a:fontRef idx="minor">
+                          <a:schemeClr val="lt1"/>
+                        </a:fontRef>
+                      </p:style>
+                      <p:txBody>
+                        <a:bodyPr rtlCol="0" anchor="ctr"/>
+                        <a:lstStyle/>
+                        <a:p>
+                          <a:pPr algn="ctr"/>
+                          <a:endParaRPr lang="en-GB" sz="1600" b="1" dirty="0">
+                            <a:solidFill>
+                              <a:schemeClr val="tx1"/>
+                            </a:solidFill>
+                          </a:endParaRPr>
+                        </a:p>
+                        <a:p>
+                          <a:pPr algn="ctr"/>
+                          <a:r>
+                            <a:rPr lang="en-GB" sz="1200" b="1" dirty="0">
+                              <a:solidFill>
+                                <a:schemeClr val="tx1"/>
+                              </a:solidFill>
+                            </a:rPr>
+                            <a:t>Record 3</a:t>
+                          </a:r>
+                          <a:endParaRPr lang="en-US" sz="1200" dirty="0"/>
+                        </a:p>
+                        <a:p>
+                          <a:pPr algn="ctr"/>
+                          <a:endParaRPr lang="en-US" dirty="0"/>
+                        </a:p>
+                      </p:txBody>
+                    </p:sp>
+                    <p:sp>
+                      <p:nvSpPr>
+                        <p:cNvPr id="9" name="Rectangle: Single Corner Snipped 8">
+                          <a:extLst>
+                            <a:ext uri="{FF2B5EF4-FFF2-40B4-BE49-F238E27FC236}">
+                              <a16:creationId xmlns:a16="http://schemas.microsoft.com/office/drawing/2014/main" id="{BA8696D0-B65F-5051-CC5B-753AE761F066}"/>
+                            </a:ext>
+                          </a:extLst>
+                        </p:cNvPr>
+                        <p:cNvSpPr/>
+                        <p:nvPr/>
+                      </p:nvSpPr>
+                      <p:spPr>
+                        <a:xfrm>
+                          <a:off x="1956816" y="2255520"/>
+                          <a:ext cx="2514600" cy="228600"/>
+                        </a:xfrm>
+                        <a:prstGeom prst="snip1Rect">
+                          <a:avLst/>
+                        </a:prstGeom>
+                        <a:solidFill>
+                          <a:schemeClr val="accent3">
+                            <a:lumMod val="60000"/>
+                            <a:lumOff val="40000"/>
+                          </a:schemeClr>
+                        </a:solidFill>
+                      </p:spPr>
+                      <p:style>
+                        <a:lnRef idx="1">
+                          <a:schemeClr val="accent6"/>
+                        </a:lnRef>
+                        <a:fillRef idx="3">
+                          <a:schemeClr val="accent6"/>
+                        </a:fillRef>
+                        <a:effectRef idx="2">
+                          <a:schemeClr val="accent6"/>
+                        </a:effectRef>
+                        <a:fontRef idx="minor">
+                          <a:schemeClr val="lt1"/>
+                        </a:fontRef>
+                      </p:style>
+                      <p:txBody>
+                        <a:bodyPr rtlCol="0" anchor="ctr"/>
+                        <a:lstStyle/>
+                        <a:p>
+                          <a:pPr algn="ctr"/>
+                          <a:endParaRPr lang="en-GB" sz="1200" b="1" dirty="0">
+                            <a:solidFill>
+                              <a:schemeClr val="tx1"/>
+                            </a:solidFill>
+                          </a:endParaRPr>
+                        </a:p>
+                        <a:p>
+                          <a:pPr algn="ctr"/>
+                          <a:r>
+                            <a:rPr lang="en-GB" sz="1200" b="1" dirty="0">
+                              <a:solidFill>
+                                <a:schemeClr val="tx1"/>
+                              </a:solidFill>
+                            </a:rPr>
+                            <a:t>Record 4</a:t>
+                          </a:r>
+                          <a:endParaRPr lang="en-US" sz="1200" dirty="0"/>
+                        </a:p>
+                        <a:p>
+                          <a:pPr algn="ctr"/>
+                          <a:endParaRPr lang="en-US" sz="1200" dirty="0"/>
+                        </a:p>
+                      </p:txBody>
+                    </p:sp>
+                    <p:sp>
+                      <p:nvSpPr>
+                        <p:cNvPr id="10" name="Rectangle: Single Corner Snipped 9">
+                          <a:extLst>
+                            <a:ext uri="{FF2B5EF4-FFF2-40B4-BE49-F238E27FC236}">
+                              <a16:creationId xmlns:a16="http://schemas.microsoft.com/office/drawing/2014/main" id="{C939A153-4D29-984C-30DE-10F2B55BAE01}"/>
+                            </a:ext>
+                          </a:extLst>
+                        </p:cNvPr>
+                        <p:cNvSpPr/>
+                        <p:nvPr/>
+                      </p:nvSpPr>
+                      <p:spPr>
+                        <a:xfrm>
+                          <a:off x="1956816" y="2621280"/>
+                          <a:ext cx="2514600" cy="228600"/>
+                        </a:xfrm>
+                        <a:prstGeom prst="snip1Rect">
+                          <a:avLst/>
+                        </a:prstGeom>
+                        <a:solidFill>
+                          <a:schemeClr val="accent3">
+                            <a:lumMod val="60000"/>
+                            <a:lumOff val="40000"/>
+                          </a:schemeClr>
+                        </a:solidFill>
+                      </p:spPr>
+                      <p:style>
+                        <a:lnRef idx="1">
+                          <a:schemeClr val="accent6"/>
+                        </a:lnRef>
+                        <a:fillRef idx="3">
+                          <a:schemeClr val="accent6"/>
+                        </a:fillRef>
+                        <a:effectRef idx="2">
+                          <a:schemeClr val="accent6"/>
+                        </a:effectRef>
+                        <a:fontRef idx="minor">
+                          <a:schemeClr val="lt1"/>
+                        </a:fontRef>
+                      </p:style>
+                      <p:txBody>
+                        <a:bodyPr rtlCol="0" anchor="ctr"/>
+                        <a:lstStyle/>
+                        <a:p>
+                          <a:pPr algn="ctr"/>
+                          <a:endParaRPr lang="en-GB" sz="1200" b="1" dirty="0">
+                            <a:solidFill>
+                              <a:schemeClr val="tx1"/>
+                            </a:solidFill>
+                          </a:endParaRPr>
+                        </a:p>
+                        <a:p>
+                          <a:pPr algn="ctr"/>
+                          <a:endParaRPr lang="en-GB" sz="1200" b="1" dirty="0">
+                            <a:solidFill>
+                              <a:schemeClr val="tx1"/>
+                            </a:solidFill>
+                          </a:endParaRPr>
+                        </a:p>
+                        <a:p>
+                          <a:pPr algn="ctr"/>
+                          <a:r>
+                            <a:rPr lang="en-GB" sz="1200" b="1" dirty="0">
+                              <a:solidFill>
+                                <a:schemeClr val="tx1"/>
+                              </a:solidFill>
+                            </a:rPr>
+                            <a:t>Record 5</a:t>
+                          </a:r>
+                          <a:endParaRPr lang="en-US" sz="1200" dirty="0"/>
+                        </a:p>
+                        <a:p>
+                          <a:pPr algn="ctr"/>
+                          <a:endParaRPr lang="en-US" sz="1200" dirty="0"/>
+                        </a:p>
+                        <a:p>
+                          <a:pPr algn="ctr"/>
+                          <a:endParaRPr lang="en-US" sz="1200" dirty="0"/>
+                        </a:p>
+                      </p:txBody>
+                    </p:sp>
+                  </p:grpSp>
+                  <p:grpSp>
+                    <p:nvGrpSpPr>
+                      <p:cNvPr id="41" name="Group 40">
+                        <a:extLst>
+                          <a:ext uri="{FF2B5EF4-FFF2-40B4-BE49-F238E27FC236}">
+                            <a16:creationId xmlns:a16="http://schemas.microsoft.com/office/drawing/2014/main" id="{80647FFA-CB04-A618-50A9-FCB9094C3BBE}"/>
+                          </a:ext>
+                        </a:extLst>
+                      </p:cNvPr>
+                      <p:cNvGrpSpPr/>
+                      <p:nvPr/>
+                    </p:nvGrpSpPr>
+                    <p:grpSpPr>
+                      <a:xfrm>
+                        <a:off x="6739134" y="614951"/>
+                        <a:ext cx="2941318" cy="3340609"/>
+                        <a:chOff x="6830575" y="332820"/>
+                        <a:chExt cx="2941318" cy="3340609"/>
+                      </a:xfrm>
+                    </p:grpSpPr>
+                    <p:sp>
+                      <p:nvSpPr>
+                        <p:cNvPr id="17" name="Rectangle: Top Corners Snipped 16">
+                          <a:extLst>
+                            <a:ext uri="{FF2B5EF4-FFF2-40B4-BE49-F238E27FC236}">
+                              <a16:creationId xmlns:a16="http://schemas.microsoft.com/office/drawing/2014/main" id="{42A6D70C-9297-F7AA-E9B0-05EC23E54246}"/>
+                            </a:ext>
+                          </a:extLst>
+                        </p:cNvPr>
+                        <p:cNvSpPr/>
+                        <p:nvPr/>
+                      </p:nvSpPr>
+                      <p:spPr>
+                        <a:xfrm>
+                          <a:off x="7074413" y="332820"/>
+                          <a:ext cx="2697480" cy="3340609"/>
+                        </a:xfrm>
+                        <a:prstGeom prst="snip2SameRect">
+                          <a:avLst/>
+                        </a:prstGeom>
+                        <a:solidFill>
+                          <a:schemeClr val="accent5">
+                            <a:lumMod val="20000"/>
+                            <a:lumOff val="80000"/>
+                          </a:schemeClr>
+                        </a:solidFill>
+                        <a:ln>
+                          <a:noFill/>
+                        </a:ln>
+                      </p:spPr>
+                      <p:style>
+                        <a:lnRef idx="2">
+                          <a:schemeClr val="accent1">
+                            <a:shade val="15000"/>
+                          </a:schemeClr>
+                        </a:lnRef>
+                        <a:fillRef idx="1">
+                          <a:schemeClr val="accent1"/>
+                        </a:fillRef>
+                        <a:effectRef idx="0">
+                          <a:schemeClr val="accent1"/>
+                        </a:effectRef>
+                        <a:fontRef idx="minor">
+                          <a:schemeClr val="lt1"/>
+                        </a:fontRef>
+                      </p:style>
+                      <p:txBody>
+                        <a:bodyPr rtlCol="0" anchor="ctr"/>
+                        <a:lstStyle/>
+                        <a:p>
+                          <a:pPr algn="ctr"/>
+                          <a:r>
+                            <a:rPr lang="en-GB" b="1" dirty="0">
+                              <a:solidFill>
+                                <a:schemeClr val="tx1"/>
+                              </a:solidFill>
+                            </a:rPr>
+                            <a:t>SAP - Memory</a:t>
+                          </a:r>
+                        </a:p>
+                        <a:p>
+                          <a:pPr algn="ctr"/>
+                          <a:endParaRPr lang="en-GB" b="1" dirty="0">
+                            <a:solidFill>
+                              <a:schemeClr val="tx1"/>
+                            </a:solidFill>
+                          </a:endParaRPr>
+                        </a:p>
+                        <a:p>
+                          <a:pPr algn="ctr"/>
+                          <a:endParaRPr lang="en-GB" b="1" dirty="0">
+                            <a:solidFill>
+                              <a:schemeClr val="tx1"/>
+                            </a:solidFill>
+                          </a:endParaRPr>
+                        </a:p>
+                        <a:p>
+                          <a:pPr algn="ctr"/>
+                          <a:endParaRPr lang="en-GB" b="1" dirty="0">
+                            <a:solidFill>
+                              <a:schemeClr val="tx1"/>
+                            </a:solidFill>
+                          </a:endParaRPr>
+                        </a:p>
+                        <a:p>
+                          <a:pPr algn="ctr"/>
+                          <a:endParaRPr lang="en-GB" b="1" dirty="0">
+                            <a:solidFill>
+                              <a:schemeClr val="tx1"/>
+                            </a:solidFill>
+                          </a:endParaRPr>
+                        </a:p>
+                        <a:p>
+                          <a:pPr algn="ctr"/>
+                          <a:endParaRPr lang="en-GB" b="1" dirty="0">
+                            <a:solidFill>
+                              <a:schemeClr val="tx1"/>
+                            </a:solidFill>
+                          </a:endParaRPr>
+                        </a:p>
+                        <a:p>
+                          <a:pPr algn="ctr"/>
+                          <a:endParaRPr lang="en-GB" b="1" dirty="0">
+                            <a:solidFill>
+                              <a:schemeClr val="tx1"/>
+                            </a:solidFill>
+                          </a:endParaRPr>
+                        </a:p>
+                        <a:p>
+                          <a:pPr algn="ctr"/>
+                          <a:endParaRPr lang="en-GB" b="1" dirty="0">
+                            <a:solidFill>
+                              <a:schemeClr val="tx1"/>
+                            </a:solidFill>
+                          </a:endParaRPr>
+                        </a:p>
+                        <a:p>
+                          <a:pPr algn="ctr"/>
+                          <a:endParaRPr lang="en-GB" b="1" dirty="0">
+                            <a:solidFill>
+                              <a:schemeClr val="tx1"/>
+                            </a:solidFill>
+                          </a:endParaRPr>
+                        </a:p>
+                        <a:p>
+                          <a:pPr algn="ctr"/>
+                          <a:endParaRPr lang="en-GB" b="1" dirty="0">
+                            <a:solidFill>
+                              <a:schemeClr val="tx1"/>
+                            </a:solidFill>
+                          </a:endParaRPr>
+                        </a:p>
+                        <a:p>
+                          <a:pPr algn="ctr"/>
+                          <a:endParaRPr lang="en-US" b="1" dirty="0">
+                            <a:solidFill>
+                              <a:schemeClr val="tx1"/>
+                            </a:solidFill>
+                          </a:endParaRPr>
+                        </a:p>
+                      </p:txBody>
+                    </p:sp>
+                    <p:sp>
+                      <p:nvSpPr>
+                        <p:cNvPr id="25" name="Parallelogram 24">
+                          <a:extLst>
+                            <a:ext uri="{FF2B5EF4-FFF2-40B4-BE49-F238E27FC236}">
+                              <a16:creationId xmlns:a16="http://schemas.microsoft.com/office/drawing/2014/main" id="{777F1172-E32F-23DF-9FE0-D2C6818FCD12}"/>
+                            </a:ext>
+                          </a:extLst>
+                        </p:cNvPr>
+                        <p:cNvSpPr/>
+                        <p:nvPr/>
+                      </p:nvSpPr>
+                      <p:spPr>
+                        <a:xfrm>
+                          <a:off x="6851907" y="1248746"/>
+                          <a:ext cx="2246378" cy="228600"/>
+                        </a:xfrm>
+                        <a:prstGeom prst="parallelogram">
+                          <a:avLst/>
+                        </a:prstGeom>
+                        <a:solidFill>
+                          <a:schemeClr val="accent6">
+                            <a:lumMod val="60000"/>
+                            <a:lumOff val="40000"/>
+                          </a:schemeClr>
+                        </a:solidFill>
+                        <a:ln>
+                          <a:noFill/>
+                        </a:ln>
+                      </p:spPr>
+                      <p:style>
+                        <a:lnRef idx="2">
+                          <a:schemeClr val="accent1">
+                            <a:shade val="15000"/>
+                          </a:schemeClr>
+                        </a:lnRef>
+                        <a:fillRef idx="1">
+                          <a:schemeClr val="accent1"/>
+                        </a:fillRef>
+                        <a:effectRef idx="0">
+                          <a:schemeClr val="accent1"/>
+                        </a:effectRef>
+                        <a:fontRef idx="minor">
+                          <a:schemeClr val="lt1"/>
+                        </a:fontRef>
+                      </p:style>
+                      <p:txBody>
+                        <a:bodyPr rtlCol="0" anchor="ctr"/>
+                        <a:lstStyle/>
+                        <a:p>
+                          <a:pPr algn="ctr"/>
+                          <a:r>
+                            <a:rPr lang="en-GB" sz="1400" b="1" dirty="0" err="1">
+                              <a:solidFill>
+                                <a:schemeClr val="tx1"/>
+                              </a:solidFill>
+                            </a:rPr>
+                            <a:t>empTab</a:t>
+                          </a:r>
+                          <a:r>
+                            <a:rPr lang="en-GB" sz="1400" b="1" dirty="0">
+                              <a:solidFill>
+                                <a:schemeClr val="tx1"/>
+                              </a:solidFill>
+                            </a:rPr>
+                            <a:t>/0	--- 9001</a:t>
+                          </a:r>
+                          <a:endParaRPr lang="en-US" sz="1400" b="1" dirty="0">
+                            <a:solidFill>
+                              <a:schemeClr val="tx1"/>
+                            </a:solidFill>
+                          </a:endParaRPr>
+                        </a:p>
+                      </p:txBody>
+                    </p:sp>
+                    <p:sp>
+                      <p:nvSpPr>
+                        <p:cNvPr id="30" name="Parallelogram 29">
+                          <a:extLst>
+                            <a:ext uri="{FF2B5EF4-FFF2-40B4-BE49-F238E27FC236}">
+                              <a16:creationId xmlns:a16="http://schemas.microsoft.com/office/drawing/2014/main" id="{2912FD54-46A8-E7C2-1627-B0AF278BFA7F}"/>
+                            </a:ext>
+                          </a:extLst>
+                        </p:cNvPr>
+                        <p:cNvSpPr/>
+                        <p:nvPr/>
+                      </p:nvSpPr>
+                      <p:spPr>
+                        <a:xfrm>
+                          <a:off x="6851907" y="1595456"/>
+                          <a:ext cx="2246378" cy="228600"/>
+                        </a:xfrm>
+                        <a:prstGeom prst="parallelogram">
+                          <a:avLst/>
+                        </a:prstGeom>
+                        <a:solidFill>
+                          <a:schemeClr val="accent6">
+                            <a:lumMod val="60000"/>
+                            <a:lumOff val="40000"/>
+                          </a:schemeClr>
+                        </a:solidFill>
+                        <a:ln>
+                          <a:noFill/>
+                        </a:ln>
+                      </p:spPr>
+                      <p:style>
+                        <a:lnRef idx="2">
+                          <a:schemeClr val="accent1">
+                            <a:shade val="15000"/>
+                          </a:schemeClr>
+                        </a:lnRef>
+                        <a:fillRef idx="1">
+                          <a:schemeClr val="accent1"/>
+                        </a:fillRef>
+                        <a:effectRef idx="0">
+                          <a:schemeClr val="accent1"/>
+                        </a:effectRef>
+                        <a:fontRef idx="minor">
+                          <a:schemeClr val="lt1"/>
+                        </a:fontRef>
+                      </p:style>
+                      <p:txBody>
+                        <a:bodyPr rtlCol="0" anchor="ctr"/>
+                        <a:lstStyle/>
+                        <a:p>
+                          <a:pPr algn="ctr"/>
+                          <a:r>
+                            <a:rPr lang="en-GB" sz="1400" b="1" dirty="0" err="1">
+                              <a:solidFill>
+                                <a:schemeClr val="tx1"/>
+                              </a:solidFill>
+                            </a:rPr>
+                            <a:t>empTab</a:t>
+                          </a:r>
+                          <a:r>
+                            <a:rPr lang="en-GB" sz="1400" b="1" dirty="0">
+                              <a:solidFill>
+                                <a:schemeClr val="tx1"/>
+                              </a:solidFill>
+                            </a:rPr>
+                            <a:t>/1	--- 9002</a:t>
+                          </a:r>
+                          <a:endParaRPr lang="en-US" sz="1400" b="1" dirty="0">
+                            <a:solidFill>
+                              <a:schemeClr val="tx1"/>
+                            </a:solidFill>
+                          </a:endParaRPr>
+                        </a:p>
+                      </p:txBody>
+                    </p:sp>
+                    <p:sp>
+                      <p:nvSpPr>
+                        <p:cNvPr id="31" name="Parallelogram 30">
+                          <a:extLst>
+                            <a:ext uri="{FF2B5EF4-FFF2-40B4-BE49-F238E27FC236}">
+                              <a16:creationId xmlns:a16="http://schemas.microsoft.com/office/drawing/2014/main" id="{EB5F5865-4DE5-79C7-7DCF-D5B8187CF975}"/>
+                            </a:ext>
+                          </a:extLst>
+                        </p:cNvPr>
+                        <p:cNvSpPr/>
+                        <p:nvPr/>
+                      </p:nvSpPr>
+                      <p:spPr>
+                        <a:xfrm>
+                          <a:off x="6851907" y="1920449"/>
+                          <a:ext cx="2246378" cy="228600"/>
+                        </a:xfrm>
+                        <a:prstGeom prst="parallelogram">
+                          <a:avLst/>
+                        </a:prstGeom>
+                        <a:solidFill>
+                          <a:srgbClr val="FFFF00"/>
+                        </a:solidFill>
+                        <a:ln>
+                          <a:noFill/>
+                        </a:ln>
+                      </p:spPr>
+                      <p:style>
+                        <a:lnRef idx="2">
+                          <a:schemeClr val="accent1">
+                            <a:shade val="15000"/>
+                          </a:schemeClr>
+                        </a:lnRef>
+                        <a:fillRef idx="1">
+                          <a:schemeClr val="accent1"/>
+                        </a:fillRef>
+                        <a:effectRef idx="0">
+                          <a:schemeClr val="accent1"/>
+                        </a:effectRef>
+                        <a:fontRef idx="minor">
+                          <a:schemeClr val="lt1"/>
+                        </a:fontRef>
+                      </p:style>
+                      <p:txBody>
+                        <a:bodyPr rtlCol="0" anchor="ctr"/>
+                        <a:lstStyle/>
+                        <a:p>
+                          <a:pPr algn="ctr"/>
+                          <a:r>
+                            <a:rPr lang="en-GB" sz="1400" b="1" dirty="0" err="1">
+                              <a:solidFill>
+                                <a:schemeClr val="tx1"/>
+                              </a:solidFill>
+                            </a:rPr>
+                            <a:t>empTab</a:t>
+                          </a:r>
+                          <a:r>
+                            <a:rPr lang="en-GB" sz="1400" b="1" dirty="0">
+                              <a:solidFill>
+                                <a:schemeClr val="tx1"/>
+                              </a:solidFill>
+                            </a:rPr>
+                            <a:t>/2	--- 9003</a:t>
+                          </a:r>
+                          <a:endParaRPr lang="en-US" sz="1400" b="1" dirty="0">
+                            <a:solidFill>
+                              <a:schemeClr val="tx1"/>
+                            </a:solidFill>
+                          </a:endParaRPr>
+                        </a:p>
+                      </p:txBody>
+                    </p:sp>
+                    <p:sp>
+                      <p:nvSpPr>
+                        <p:cNvPr id="32" name="Parallelogram 31">
+                          <a:extLst>
+                            <a:ext uri="{FF2B5EF4-FFF2-40B4-BE49-F238E27FC236}">
+                              <a16:creationId xmlns:a16="http://schemas.microsoft.com/office/drawing/2014/main" id="{428F6897-2303-4B92-9DB3-D585E7E01913}"/>
+                            </a:ext>
+                          </a:extLst>
+                        </p:cNvPr>
+                        <p:cNvSpPr/>
+                        <p:nvPr/>
+                      </p:nvSpPr>
+                      <p:spPr>
+                        <a:xfrm>
+                          <a:off x="6836669" y="2236869"/>
+                          <a:ext cx="2246378" cy="228600"/>
+                        </a:xfrm>
+                        <a:prstGeom prst="parallelogram">
+                          <a:avLst/>
+                        </a:prstGeom>
+                        <a:solidFill>
+                          <a:schemeClr val="accent6">
+                            <a:lumMod val="60000"/>
+                            <a:lumOff val="40000"/>
+                          </a:schemeClr>
+                        </a:solidFill>
+                        <a:ln>
+                          <a:noFill/>
+                        </a:ln>
+                      </p:spPr>
+                      <p:style>
+                        <a:lnRef idx="2">
+                          <a:schemeClr val="accent1">
+                            <a:shade val="15000"/>
+                          </a:schemeClr>
+                        </a:lnRef>
+                        <a:fillRef idx="1">
+                          <a:schemeClr val="accent1"/>
+                        </a:fillRef>
+                        <a:effectRef idx="0">
+                          <a:schemeClr val="accent1"/>
+                        </a:effectRef>
+                        <a:fontRef idx="minor">
+                          <a:schemeClr val="lt1"/>
+                        </a:fontRef>
+                      </p:style>
+                      <p:txBody>
+                        <a:bodyPr rtlCol="0" anchor="ctr"/>
+                        <a:lstStyle/>
+                        <a:p>
+                          <a:pPr algn="ctr"/>
+                          <a:r>
+                            <a:rPr lang="en-GB" sz="1400" b="1" dirty="0" err="1">
+                              <a:solidFill>
+                                <a:schemeClr val="tx1"/>
+                              </a:solidFill>
+                            </a:rPr>
+                            <a:t>empTab</a:t>
+                          </a:r>
+                          <a:r>
+                            <a:rPr lang="en-GB" sz="1400" b="1" dirty="0">
+                              <a:solidFill>
+                                <a:schemeClr val="tx1"/>
+                              </a:solidFill>
+                            </a:rPr>
+                            <a:t>/3	--- 9004</a:t>
+                          </a:r>
+                          <a:endParaRPr lang="en-US" sz="1400" b="1" dirty="0">
+                            <a:solidFill>
+                              <a:schemeClr val="tx1"/>
+                            </a:solidFill>
+                          </a:endParaRPr>
+                        </a:p>
+                      </p:txBody>
+                    </p:sp>
+                    <p:sp>
+                      <p:nvSpPr>
+                        <p:cNvPr id="33" name="Parallelogram 32">
+                          <a:extLst>
+                            <a:ext uri="{FF2B5EF4-FFF2-40B4-BE49-F238E27FC236}">
+                              <a16:creationId xmlns:a16="http://schemas.microsoft.com/office/drawing/2014/main" id="{A37696FD-BC8F-86D4-0DE0-368451093494}"/>
+                            </a:ext>
+                          </a:extLst>
+                        </p:cNvPr>
+                        <p:cNvSpPr/>
+                        <p:nvPr/>
+                      </p:nvSpPr>
+                      <p:spPr>
+                        <a:xfrm>
+                          <a:off x="6836669" y="2581483"/>
+                          <a:ext cx="2246378" cy="228600"/>
+                        </a:xfrm>
+                        <a:prstGeom prst="parallelogram">
+                          <a:avLst/>
+                        </a:prstGeom>
+                        <a:solidFill>
+                          <a:schemeClr val="accent6">
+                            <a:lumMod val="60000"/>
+                            <a:lumOff val="40000"/>
+                          </a:schemeClr>
+                        </a:solidFill>
+                        <a:ln>
+                          <a:noFill/>
+                        </a:ln>
+                      </p:spPr>
+                      <p:style>
+                        <a:lnRef idx="2">
+                          <a:schemeClr val="accent1">
+                            <a:shade val="15000"/>
+                          </a:schemeClr>
+                        </a:lnRef>
+                        <a:fillRef idx="1">
+                          <a:schemeClr val="accent1"/>
+                        </a:fillRef>
+                        <a:effectRef idx="0">
+                          <a:schemeClr val="accent1"/>
+                        </a:effectRef>
+                        <a:fontRef idx="minor">
+                          <a:schemeClr val="lt1"/>
+                        </a:fontRef>
+                      </p:style>
+                      <p:txBody>
+                        <a:bodyPr rtlCol="0" anchor="ctr"/>
+                        <a:lstStyle/>
+                        <a:p>
+                          <a:pPr algn="ctr"/>
+                          <a:r>
+                            <a:rPr lang="en-GB" sz="1400" b="1" dirty="0" err="1">
+                              <a:solidFill>
+                                <a:schemeClr val="tx1"/>
+                              </a:solidFill>
+                            </a:rPr>
+                            <a:t>empTab</a:t>
+                          </a:r>
+                          <a:r>
+                            <a:rPr lang="en-GB" sz="1400" b="1" dirty="0">
+                              <a:solidFill>
+                                <a:schemeClr val="tx1"/>
+                              </a:solidFill>
+                            </a:rPr>
+                            <a:t>/4	--- 9005</a:t>
+                          </a:r>
+                          <a:endParaRPr lang="en-US" sz="1400" b="1" dirty="0">
+                            <a:solidFill>
+                              <a:schemeClr val="tx1"/>
+                            </a:solidFill>
+                          </a:endParaRPr>
+                        </a:p>
+                      </p:txBody>
+                    </p:sp>
+                    <p:sp>
+                      <p:nvSpPr>
+                        <p:cNvPr id="34" name="Parallelogram 33">
+                          <a:extLst>
+                            <a:ext uri="{FF2B5EF4-FFF2-40B4-BE49-F238E27FC236}">
+                              <a16:creationId xmlns:a16="http://schemas.microsoft.com/office/drawing/2014/main" id="{B1ED4E01-1704-3F30-498D-F01DBECB0AC9}"/>
+                            </a:ext>
+                          </a:extLst>
+                        </p:cNvPr>
+                        <p:cNvSpPr/>
+                        <p:nvPr/>
+                      </p:nvSpPr>
+                      <p:spPr>
+                        <a:xfrm>
+                          <a:off x="6830575" y="2944957"/>
+                          <a:ext cx="2246378" cy="228600"/>
+                        </a:xfrm>
+                        <a:prstGeom prst="parallelogram">
+                          <a:avLst/>
+                        </a:prstGeom>
+                        <a:solidFill>
+                          <a:schemeClr val="accent6">
+                            <a:lumMod val="60000"/>
+                            <a:lumOff val="40000"/>
+                          </a:schemeClr>
+                        </a:solidFill>
+                        <a:ln>
+                          <a:noFill/>
+                        </a:ln>
+                      </p:spPr>
+                      <p:style>
+                        <a:lnRef idx="2">
+                          <a:schemeClr val="accent1">
+                            <a:shade val="15000"/>
+                          </a:schemeClr>
+                        </a:lnRef>
+                        <a:fillRef idx="1">
+                          <a:schemeClr val="accent1"/>
+                        </a:fillRef>
+                        <a:effectRef idx="0">
+                          <a:schemeClr val="accent1"/>
+                        </a:effectRef>
+                        <a:fontRef idx="minor">
+                          <a:schemeClr val="lt1"/>
+                        </a:fontRef>
+                      </p:style>
+                      <p:txBody>
+                        <a:bodyPr rtlCol="0" anchor="ctr"/>
+                        <a:lstStyle/>
+                        <a:p>
+                          <a:pPr algn="ctr"/>
+                          <a:r>
+                            <a:rPr lang="en-GB" sz="1400" b="1" dirty="0" err="1">
+                              <a:solidFill>
+                                <a:schemeClr val="tx1"/>
+                              </a:solidFill>
+                            </a:rPr>
+                            <a:t>empTab</a:t>
+                          </a:r>
+                          <a:r>
+                            <a:rPr lang="en-GB" sz="1400" b="1" dirty="0">
+                              <a:solidFill>
+                                <a:schemeClr val="tx1"/>
+                              </a:solidFill>
+                            </a:rPr>
+                            <a:t>/5	--- 9006</a:t>
+                          </a:r>
+                          <a:endParaRPr lang="en-US" sz="1400" b="1" dirty="0">
+                            <a:solidFill>
+                              <a:schemeClr val="tx1"/>
+                            </a:solidFill>
+                          </a:endParaRPr>
+                        </a:p>
+                      </p:txBody>
+                    </p:sp>
+                  </p:grpSp>
+                </p:grpSp>
+                <p:cxnSp>
+                  <p:nvCxnSpPr>
+                    <p:cNvPr id="45" name="Straight Arrow Connector 44">
+                      <a:extLst>
+                        <a:ext uri="{FF2B5EF4-FFF2-40B4-BE49-F238E27FC236}">
+                          <a16:creationId xmlns:a16="http://schemas.microsoft.com/office/drawing/2014/main" id="{1C709DC8-FC91-10B5-5848-4ECF4711DF7F}"/>
+                        </a:ext>
+                      </a:extLst>
+                    </p:cNvPr>
+                    <p:cNvCxnSpPr/>
+                    <p:nvPr/>
+                  </p:nvCxnSpPr>
+                  <p:spPr>
+                    <a:xfrm>
+                      <a:off x="2240280" y="1517904"/>
+                      <a:ext cx="1014984" cy="0"/>
+                    </a:xfrm>
+                    <a:prstGeom prst="straightConnector1">
+                      <a:avLst/>
+                    </a:prstGeom>
+                    <a:ln w="63500">
+                      <a:tailEnd type="triangle"/>
+                    </a:ln>
+                  </p:spPr>
+                  <p:style>
+                    <a:lnRef idx="3">
+                      <a:schemeClr val="accent6"/>
+                    </a:lnRef>
+                    <a:fillRef idx="0">
+                      <a:schemeClr val="accent6"/>
+                    </a:fillRef>
+                    <a:effectRef idx="2">
+                      <a:schemeClr val="accent6"/>
+                    </a:effectRef>
+                    <a:fontRef idx="minor">
+                      <a:schemeClr val="tx1"/>
+                    </a:fontRef>
+                  </p:style>
+                </p:cxnSp>
+              </p:grpSp>
+            </p:grpSp>
+            <p:sp>
+              <p:nvSpPr>
+                <p:cNvPr id="48" name="TextBox 47">
+                  <a:extLst>
+                    <a:ext uri="{FF2B5EF4-FFF2-40B4-BE49-F238E27FC236}">
+                      <a16:creationId xmlns:a16="http://schemas.microsoft.com/office/drawing/2014/main" id="{BE3B9406-F76F-30CA-8F57-C9658134C76B}"/>
+                    </a:ext>
+                  </a:extLst>
+                </p:cNvPr>
+                <p:cNvSpPr txBox="1"/>
+                <p:nvPr/>
+              </p:nvSpPr>
+              <p:spPr>
+                <a:xfrm>
+                  <a:off x="6781804" y="1138281"/>
+                  <a:ext cx="1572768" cy="338554"/>
+                </a:xfrm>
+                <a:prstGeom prst="rect">
+                  <a:avLst/>
+                </a:prstGeom>
+                <a:noFill/>
+              </p:spPr>
+              <p:txBody>
+                <a:bodyPr wrap="square" rtlCol="0">
+                  <a:spAutoFit/>
+                </a:bodyPr>
+                <a:lstStyle/>
+                <a:p>
+                  <a:r>
+                    <a:rPr lang="en-GB" sz="1600" b="1" dirty="0">
+                      <a:solidFill>
+                        <a:srgbClr val="FFFF00"/>
+                      </a:solidFill>
+                    </a:rPr>
+                    <a:t>Elements</a:t>
+                  </a:r>
+                  <a:endParaRPr lang="en-US" sz="1600" b="1" dirty="0">
+                    <a:solidFill>
+                      <a:srgbClr val="FFFF00"/>
+                    </a:solidFill>
+                  </a:endParaRPr>
+                </a:p>
+              </p:txBody>
+            </p:sp>
+          </p:grpSp>
+          <p:sp>
+            <p:nvSpPr>
+              <p:cNvPr id="62" name="TextBox 61">
+                <a:extLst>
+                  <a:ext uri="{FF2B5EF4-FFF2-40B4-BE49-F238E27FC236}">
+                    <a16:creationId xmlns:a16="http://schemas.microsoft.com/office/drawing/2014/main" id="{12EB75DF-CF16-8800-8CD6-0B5A1D27C09B}"/>
+                  </a:ext>
+                </a:extLst>
+              </p:cNvPr>
+              <p:cNvSpPr txBox="1"/>
+              <p:nvPr/>
+            </p:nvSpPr>
+            <p:spPr>
+              <a:xfrm>
+                <a:off x="124968" y="1864441"/>
+                <a:ext cx="2660902" cy="307777"/>
+              </a:xfrm>
+              <a:prstGeom prst="rect">
+                <a:avLst/>
+              </a:prstGeom>
+              <a:noFill/>
+            </p:spPr>
+            <p:txBody>
+              <a:bodyPr wrap="square" rtlCol="0">
+                <a:spAutoFit/>
+              </a:bodyPr>
+              <a:lstStyle/>
+              <a:p>
+                <a:r>
+                  <a:rPr lang="en-GB" sz="1400" b="1" i="1" dirty="0">
+                    <a:solidFill>
+                      <a:schemeClr val="bg1"/>
+                    </a:solidFill>
+                  </a:rPr>
+                  <a:t>Absolute path – Parent # Table</a:t>
+                </a:r>
+                <a:endParaRPr lang="en-US" sz="1400" b="1" i="1" dirty="0">
+                  <a:solidFill>
+                    <a:schemeClr val="bg1"/>
+                  </a:solidFill>
+                </a:endParaRPr>
+              </a:p>
+            </p:txBody>
+          </p:sp>
+        </p:grpSp>
+        <p:sp>
+          <p:nvSpPr>
+            <p:cNvPr id="64" name="TextBox 63">
+              <a:extLst>
+                <a:ext uri="{FF2B5EF4-FFF2-40B4-BE49-F238E27FC236}">
+                  <a16:creationId xmlns:a16="http://schemas.microsoft.com/office/drawing/2014/main" id="{1FBC7912-3CEA-BBA4-E871-E754DFFEE2C3}"/>
+                </a:ext>
+              </a:extLst>
+            </p:cNvPr>
+            <p:cNvSpPr txBox="1"/>
+            <p:nvPr/>
+          </p:nvSpPr>
+          <p:spPr>
+            <a:xfrm>
+              <a:off x="6900676" y="4083593"/>
+              <a:ext cx="3578348" cy="307777"/>
+            </a:xfrm>
+            <a:prstGeom prst="rect">
+              <a:avLst/>
+            </a:prstGeom>
+            <a:noFill/>
+          </p:spPr>
+          <p:txBody>
+            <a:bodyPr wrap="square" rtlCol="0">
+              <a:spAutoFit/>
+            </a:bodyPr>
+            <a:lstStyle/>
+            <a:p>
+              <a:r>
+                <a:rPr lang="en-GB" sz="1400" b="1" i="1" dirty="0">
+                  <a:solidFill>
+                    <a:srgbClr val="FFFF00"/>
+                  </a:solidFill>
+                </a:rPr>
+                <a:t>Relative path – </a:t>
+              </a:r>
+              <a:r>
+                <a:rPr lang="en-GB" sz="1400" b="1" i="1" dirty="0" err="1">
+                  <a:solidFill>
+                    <a:srgbClr val="FFFF00"/>
+                  </a:solidFill>
+                </a:rPr>
+                <a:t>empTab</a:t>
+              </a:r>
+              <a:r>
+                <a:rPr lang="en-GB" sz="1400" b="1" i="1" dirty="0">
+                  <a:solidFill>
+                    <a:srgbClr val="FFFF00"/>
+                  </a:solidFill>
+                </a:rPr>
+                <a:t>/2  – Child # Table</a:t>
+              </a:r>
+              <a:endParaRPr lang="en-US" sz="1400" b="1" i="1" dirty="0">
+                <a:solidFill>
+                  <a:srgbClr val="FFFF00"/>
+                </a:solidFill>
+              </a:endParaRPr>
+            </a:p>
+          </p:txBody>
+        </p:sp>
+      </p:grpSp>
+      <p:cxnSp>
+        <p:nvCxnSpPr>
+          <p:cNvPr id="68" name="Straight Arrow Connector 67">
+            <a:extLst>
+              <a:ext uri="{FF2B5EF4-FFF2-40B4-BE49-F238E27FC236}">
+                <a16:creationId xmlns:a16="http://schemas.microsoft.com/office/drawing/2014/main" id="{415F159F-B140-7494-EBC4-F5EC5EF017F4}"/>
+              </a:ext>
+            </a:extLst>
+          </p:cNvPr>
+          <p:cNvCxnSpPr>
+            <a:cxnSpLocks/>
+          </p:cNvCxnSpPr>
+          <p:nvPr/>
+        </p:nvCxnSpPr>
+        <p:spPr>
+          <a:xfrm flipH="1">
+            <a:off x="5312666" y="4040794"/>
+            <a:ext cx="1923290" cy="492772"/>
+          </a:xfrm>
+          <a:prstGeom prst="straightConnector1">
+            <a:avLst/>
+          </a:prstGeom>
+          <a:ln w="63500">
+            <a:solidFill>
+              <a:srgbClr val="FFFF00"/>
+            </a:solidFill>
+            <a:tailEnd type="triangle"/>
+          </a:ln>
+        </p:spPr>
+        <p:style>
+          <a:lnRef idx="2">
+            <a:schemeClr val="accent6"/>
+          </a:lnRef>
+          <a:fillRef idx="0">
+            <a:schemeClr val="accent6"/>
+          </a:fillRef>
+          <a:effectRef idx="1">
+            <a:schemeClr val="accent6"/>
+          </a:effectRef>
+          <a:fontRef idx="minor">
+            <a:schemeClr val="tx1"/>
+          </a:fontRef>
+        </p:style>
+      </p:cxnSp>
+      <p:sp>
+        <p:nvSpPr>
+          <p:cNvPr id="71" name="TextBox 70">
+            <a:extLst>
+              <a:ext uri="{FF2B5EF4-FFF2-40B4-BE49-F238E27FC236}">
+                <a16:creationId xmlns:a16="http://schemas.microsoft.com/office/drawing/2014/main" id="{3A76B8BE-50C5-D12D-D462-199976D58569}"/>
+              </a:ext>
+            </a:extLst>
+          </p:cNvPr>
+          <p:cNvSpPr txBox="1"/>
+          <p:nvPr/>
+        </p:nvSpPr>
+        <p:spPr>
+          <a:xfrm>
+            <a:off x="5580892" y="4803217"/>
+            <a:ext cx="4671472" cy="646331"/>
+          </a:xfrm>
+          <a:prstGeom prst="rect">
+            <a:avLst/>
+          </a:prstGeom>
+          <a:noFill/>
+        </p:spPr>
+        <p:txBody>
+          <a:bodyPr wrap="square" rtlCol="0">
+            <a:spAutoFit/>
+          </a:bodyPr>
+          <a:lstStyle/>
+          <a:p>
+            <a:r>
+              <a:rPr lang="en-GB" dirty="0">
+                <a:solidFill>
+                  <a:schemeClr val="bg1"/>
+                </a:solidFill>
+              </a:rPr>
+              <a:t>From Memory the element is </a:t>
+            </a:r>
+            <a:r>
+              <a:rPr lang="en-GB" dirty="0" err="1">
+                <a:solidFill>
+                  <a:schemeClr val="bg1"/>
+                </a:solidFill>
+              </a:rPr>
+              <a:t>binded</a:t>
+            </a:r>
+            <a:r>
+              <a:rPr lang="en-GB" dirty="0">
+                <a:solidFill>
+                  <a:schemeClr val="bg1"/>
+                </a:solidFill>
+              </a:rPr>
+              <a:t> to a dependent control is called </a:t>
+            </a:r>
+            <a:r>
+              <a:rPr lang="en-GB" b="1" dirty="0">
+                <a:solidFill>
+                  <a:srgbClr val="FFFF00"/>
+                </a:solidFill>
+              </a:rPr>
+              <a:t>Element Binding</a:t>
+            </a:r>
+            <a:endParaRPr lang="en-US" b="1" dirty="0">
+              <a:solidFill>
+                <a:srgbClr val="FFFF00"/>
+              </a:solidFill>
+            </a:endParaRPr>
+          </a:p>
+        </p:txBody>
+      </p:sp>
+    </p:spTree>
+    <p:extLst>
+      <p:ext uri="{BB962C8B-B14F-4D97-AF65-F5344CB8AC3E}">
+        <p14:creationId xmlns:p14="http://schemas.microsoft.com/office/powerpoint/2010/main" val="3360126117"/>
+      </p:ext>
+    </p:extLst>
+  </p:cSld>
+  <p:clrMapOvr>
+    <a:masterClrMapping/>
+  </p:clrMapOvr>
+</p:sld>
+</file>
+
 <file path=ppt/theme/theme1.xml><?xml version="1.0" encoding="utf-8"?>
 <a:theme xmlns:a="http://schemas.openxmlformats.org/drawingml/2006/main" name="Office Theme">
   <a:themeElements>

--- a/ex_15/Element binding.pptx
+++ b/ex_15/Element binding.pptx
@@ -5169,7 +5169,7 @@
                                 <a:schemeClr val="tx1"/>
                               </a:solidFill>
                             </a:rPr>
-                            <a:t>SAP - Memory</a:t>
+                            <a:t>Memory</a:t>
                           </a:r>
                         </a:p>
                         <a:p>
@@ -7353,7 +7353,7 @@
                                 <a:schemeClr val="tx1"/>
                               </a:solidFill>
                             </a:rPr>
-                            <a:t>SAP - Memory</a:t>
+                            <a:t>Memory</a:t>
                           </a:r>
                         </a:p>
                         <a:p>

--- a/ex_15/Element binding.pptx
+++ b/ex_15/Element binding.pptx
@@ -5925,7 +5925,7 @@
         <p:spPr>
           <a:xfrm>
             <a:off x="6096000" y="4481248"/>
-            <a:ext cx="4511040" cy="646331"/>
+            <a:ext cx="4693920" cy="646331"/>
           </a:xfrm>
           <a:prstGeom prst="rect">
             <a:avLst/>
@@ -5948,7 +5948,7 @@
             </a:r>
             <a:r>
               <a:rPr lang="en-GB" dirty="0"/>
-              <a:t> to a dependent control – </a:t>
+              <a:t> to a dependent control is called </a:t>
             </a:r>
             <a:r>
               <a:rPr lang="en-GB" b="1" dirty="0">
